--- a/02_Architecture.pptx
+++ b/02_Architecture.pptx
@@ -218,7 +218,7 @@
             <a:fld id="{6837EDA8-41C8-4B24-A206-13C08A65A6D7}" type="datetimeFigureOut">
               <a:rPr lang="zh-TW" altLang="en-US" smtClean="0"/>
               <a:pPr/>
-              <a:t>2020/4/28</a:t>
+              <a:t>2021/12/8</a:t>
             </a:fld>
             <a:endParaRPr lang="zh-TW" altLang="en-US"/>
           </a:p>
@@ -671,7 +671,7 @@
             <a:fld id="{8B85509C-BD4F-47BF-9B1E-FC2E949B3621}" type="datetime1">
               <a:rPr lang="zh-TW" altLang="en-US" smtClean="0"/>
               <a:pPr/>
-              <a:t>2020/4/28</a:t>
+              <a:t>2021/12/8</a:t>
             </a:fld>
             <a:endParaRPr lang="zh-TW" altLang="en-US"/>
           </a:p>
@@ -844,7 +844,7 @@
             <a:fld id="{42251B24-F787-4C15-8A0F-7AEC20C70069}" type="datetime1">
               <a:rPr lang="zh-TW" altLang="en-US" smtClean="0"/>
               <a:pPr/>
-              <a:t>2020/4/28</a:t>
+              <a:t>2021/12/8</a:t>
             </a:fld>
             <a:endParaRPr lang="zh-TW" altLang="en-US"/>
           </a:p>
@@ -1019,7 +1019,7 @@
             <a:fld id="{9CA0D33C-CE2B-45F1-B8D4-FFD1F131F331}" type="datetime1">
               <a:rPr lang="zh-TW" altLang="en-US" smtClean="0"/>
               <a:pPr/>
-              <a:t>2020/4/28</a:t>
+              <a:t>2021/12/8</a:t>
             </a:fld>
             <a:endParaRPr lang="zh-TW" altLang="en-US"/>
           </a:p>
@@ -1184,7 +1184,7 @@
             <a:fld id="{50B99440-D9EF-40CC-9B52-F6428D9B2C76}" type="datetime1">
               <a:rPr lang="zh-TW" altLang="en-US" smtClean="0"/>
               <a:pPr/>
-              <a:t>2020/4/28</a:t>
+              <a:t>2021/12/8</a:t>
             </a:fld>
             <a:endParaRPr lang="zh-TW" altLang="en-US"/>
           </a:p>
@@ -1426,7 +1426,7 @@
             <a:fld id="{0871BF52-5C6C-4959-8E27-CECB68D39FE4}" type="datetime1">
               <a:rPr lang="zh-TW" altLang="en-US" smtClean="0"/>
               <a:pPr/>
-              <a:t>2020/4/28</a:t>
+              <a:t>2021/12/8</a:t>
             </a:fld>
             <a:endParaRPr lang="zh-TW" altLang="en-US"/>
           </a:p>
@@ -1708,7 +1708,7 @@
             <a:fld id="{DF863F05-2DD9-4EB1-A827-12FD992DE9DC}" type="datetime1">
               <a:rPr lang="zh-TW" altLang="en-US" smtClean="0"/>
               <a:pPr/>
-              <a:t>2020/4/28</a:t>
+              <a:t>2021/12/8</a:t>
             </a:fld>
             <a:endParaRPr lang="zh-TW" altLang="en-US"/>
           </a:p>
@@ -2124,7 +2124,7 @@
             <a:fld id="{6339AF51-4491-4873-A096-75DB6CE47516}" type="datetime1">
               <a:rPr lang="zh-TW" altLang="en-US" smtClean="0"/>
               <a:pPr/>
-              <a:t>2020/4/28</a:t>
+              <a:t>2021/12/8</a:t>
             </a:fld>
             <a:endParaRPr lang="zh-TW" altLang="en-US"/>
           </a:p>
@@ -2238,7 +2238,7 @@
             <a:fld id="{EE4AD9C8-8B9E-40FF-ABE2-858AC2057BBB}" type="datetime1">
               <a:rPr lang="zh-TW" altLang="en-US" smtClean="0"/>
               <a:pPr/>
-              <a:t>2020/4/28</a:t>
+              <a:t>2021/12/8</a:t>
             </a:fld>
             <a:endParaRPr lang="zh-TW" altLang="en-US"/>
           </a:p>
@@ -2330,7 +2330,7 @@
             <a:fld id="{B4784999-BBBE-4BE4-A8D0-877E7D1D66CC}" type="datetime1">
               <a:rPr lang="zh-TW" altLang="en-US" smtClean="0"/>
               <a:pPr/>
-              <a:t>2020/4/28</a:t>
+              <a:t>2021/12/8</a:t>
             </a:fld>
             <a:endParaRPr lang="zh-TW" altLang="en-US"/>
           </a:p>
@@ -2602,7 +2602,7 @@
             <a:fld id="{E88D17E6-02BD-4944-B9FE-7BFCCBF83D48}" type="datetime1">
               <a:rPr lang="zh-TW" altLang="en-US" smtClean="0"/>
               <a:pPr/>
-              <a:t>2020/4/28</a:t>
+              <a:t>2021/12/8</a:t>
             </a:fld>
             <a:endParaRPr lang="zh-TW" altLang="en-US"/>
           </a:p>
@@ -2851,7 +2851,7 @@
             <a:fld id="{3C13E23D-1FEF-4D78-A3A3-3D6F2BB31954}" type="datetime1">
               <a:rPr lang="zh-TW" altLang="en-US" smtClean="0"/>
               <a:pPr/>
-              <a:t>2020/4/28</a:t>
+              <a:t>2021/12/8</a:t>
             </a:fld>
             <a:endParaRPr lang="zh-TW" altLang="en-US"/>
           </a:p>
@@ -3059,7 +3059,7 @@
             <a:fld id="{06197F35-AD6F-4594-8B50-334492D2E7E8}" type="datetime1">
               <a:rPr lang="zh-TW" altLang="en-US" smtClean="0"/>
               <a:pPr/>
-              <a:t>2020/4/28</a:t>
+              <a:t>2021/12/8</a:t>
             </a:fld>
             <a:endParaRPr lang="zh-TW" altLang="en-US"/>
           </a:p>
@@ -3520,7 +3520,7 @@
             <a:fld id="{C389EDC9-19E3-47AC-9C57-C6A24DEA81AD}" type="datetime1">
               <a:rPr lang="zh-TW" altLang="en-US" smtClean="0"/>
               <a:pPr/>
-              <a:t>2020/4/28</a:t>
+              <a:t>2021/12/8</a:t>
             </a:fld>
             <a:endParaRPr lang="zh-TW" altLang="en-US"/>
           </a:p>
@@ -3654,12 +3654,12 @@
           <a:lstStyle/>
           <a:p>
             <a:r>
-              <a:rPr lang="en-US" altLang="zh-TW" sz="6000" b="1" dirty="0">
+              <a:rPr lang="en-US" altLang="zh-TW" sz="6000" b="1">
                 <a:solidFill>
                   <a:srgbClr val="FFFF00"/>
                 </a:solidFill>
               </a:rPr>
-              <a:t>End of Chapter</a:t>
+              <a:t>End</a:t>
             </a:r>
             <a:endParaRPr lang="zh-TW" altLang="en-US" sz="6000" b="1" dirty="0">
               <a:solidFill>
@@ -3687,7 +3687,7 @@
             <a:fld id="{4E46BE27-E923-4EC2-B046-3272AE2A3E5C}" type="datetime1">
               <a:rPr lang="zh-TW" altLang="en-US" smtClean="0"/>
               <a:pPr/>
-              <a:t>2020/4/28</a:t>
+              <a:t>2021/12/8</a:t>
             </a:fld>
             <a:endParaRPr lang="zh-TW" altLang="en-US"/>
           </a:p>
@@ -3966,7 +3966,7 @@
             <a:fld id="{A4F910E6-8D00-4BAF-8C48-9688E0B449D3}" type="datetime1">
               <a:rPr lang="zh-TW" altLang="en-US" smtClean="0"/>
               <a:pPr/>
-              <a:t>2020/4/28</a:t>
+              <a:t>2021/12/8</a:t>
             </a:fld>
             <a:endParaRPr lang="zh-TW" altLang="en-US"/>
           </a:p>
@@ -4221,7 +4221,7 @@
                   <a:srgbClr val="C00000"/>
                 </a:solidFill>
               </a:rPr>
-              <a:t>Container are runtime instances of a docker image. </a:t>
+              <a:t>Containers are runtime instances of a docker image. </a:t>
             </a:r>
           </a:p>
           <a:p>
@@ -4339,7 +4339,7 @@
             <a:fld id="{A4F910E6-8D00-4BAF-8C48-9688E0B449D3}" type="datetime1">
               <a:rPr lang="zh-TW" altLang="en-US" smtClean="0"/>
               <a:pPr/>
-              <a:t>2020/4/28</a:t>
+              <a:t>2021/12/8</a:t>
             </a:fld>
             <a:endParaRPr lang="zh-TW" altLang="en-US"/>
           </a:p>
@@ -4658,7 +4658,7 @@
             <a:fld id="{A4F910E6-8D00-4BAF-8C48-9688E0B449D3}" type="datetime1">
               <a:rPr lang="zh-TW" altLang="en-US" smtClean="0"/>
               <a:pPr/>
-              <a:t>2020/4/28</a:t>
+              <a:t>2021/12/8</a:t>
             </a:fld>
             <a:endParaRPr lang="zh-TW" altLang="en-US"/>
           </a:p>
@@ -4909,7 +4909,7 @@
                   <a:schemeClr val="tx1"/>
                 </a:solidFill>
               </a:rPr>
-              <a:t>In the Docker Hub, you can fins a lot of publicly available images. You can store your own Docker image as well.</a:t>
+              <a:t>In the Docker Hub, you can find a lot of publicly available images. You can store your own Docker image as well.</a:t>
             </a:r>
           </a:p>
           <a:p>
@@ -5045,7 +5045,7 @@
             <a:fld id="{A4F910E6-8D00-4BAF-8C48-9688E0B449D3}" type="datetime1">
               <a:rPr lang="zh-TW" altLang="en-US" smtClean="0"/>
               <a:pPr/>
-              <a:t>2020/4/28</a:t>
+              <a:t>2021/12/8</a:t>
             </a:fld>
             <a:endParaRPr lang="zh-TW" altLang="en-US"/>
           </a:p>
@@ -5399,7 +5399,7 @@
             <a:fld id="{A4F910E6-8D00-4BAF-8C48-9688E0B449D3}" type="datetime1">
               <a:rPr lang="zh-TW" altLang="en-US" smtClean="0"/>
               <a:pPr/>
-              <a:t>2020/4/28</a:t>
+              <a:t>2021/12/8</a:t>
             </a:fld>
             <a:endParaRPr lang="zh-TW" altLang="en-US"/>
           </a:p>
@@ -5837,7 +5837,7 @@
             <a:fld id="{A4F910E6-8D00-4BAF-8C48-9688E0B449D3}" type="datetime1">
               <a:rPr lang="zh-TW" altLang="en-US" smtClean="0"/>
               <a:pPr/>
-              <a:t>2020/4/28</a:t>
+              <a:t>2021/12/8</a:t>
             </a:fld>
             <a:endParaRPr lang="zh-TW" altLang="en-US"/>
           </a:p>
@@ -7570,7 +7570,7 @@
                   <a:schemeClr val="tx1"/>
                 </a:solidFill>
               </a:rPr>
-              <a:t>In Docker, the command-line interface is the client and we have the Docker server (or Docker Daemon). The Docker server have all the Containers. </a:t>
+              <a:t>In Docker, the command-line interface is the client, and we have the Docker server (or Docker Daemon). The Docker server have all the Containers. </a:t>
             </a:r>
           </a:p>
           <a:p>
@@ -7688,7 +7688,7 @@
             <a:fld id="{A4F910E6-8D00-4BAF-8C48-9688E0B449D3}" type="datetime1">
               <a:rPr lang="zh-TW" altLang="en-US" smtClean="0"/>
               <a:pPr/>
-              <a:t>2020/4/28</a:t>
+              <a:t>2021/12/8</a:t>
             </a:fld>
             <a:endParaRPr lang="zh-TW" altLang="en-US"/>
           </a:p>
@@ -8043,7 +8043,7 @@
             <a:fld id="{A4F910E6-8D00-4BAF-8C48-9688E0B449D3}" type="datetime1">
               <a:rPr lang="zh-TW" altLang="en-US" smtClean="0"/>
               <a:pPr/>
-              <a:t>2020/4/28</a:t>
+              <a:t>2021/12/8</a:t>
             </a:fld>
             <a:endParaRPr lang="zh-TW" altLang="en-US"/>
           </a:p>
